--- a/Poster.pptx
+++ b/Poster.pptx
@@ -3138,8 +3138,8 @@
         </p:nvSpPr>
         <p:spPr>
           <a:xfrm>
-            <a:off x="17267367" y="12115283"/>
-            <a:ext cx="1884445" cy="723692"/>
+            <a:off x="16059035" y="12115283"/>
+            <a:ext cx="5242186" cy="723692"/>
           </a:xfrm>
           <a:prstGeom prst="rect">
             <a:avLst/>
@@ -3184,8 +3184,8 @@
         </p:nvSpPr>
         <p:spPr>
           <a:xfrm>
-            <a:off x="15695110" y="13900447"/>
-            <a:ext cx="1884445" cy="723692"/>
+            <a:off x="13356440" y="13900447"/>
+            <a:ext cx="4223115" cy="723692"/>
           </a:xfrm>
           <a:prstGeom prst="rect">
             <a:avLst/>
@@ -3227,7 +3227,7 @@
         <p:spPr>
           <a:xfrm>
             <a:off x="18787803" y="13900447"/>
-            <a:ext cx="1884445" cy="723692"/>
+            <a:ext cx="4465642" cy="723692"/>
           </a:xfrm>
           <a:prstGeom prst="rect">
             <a:avLst/>
@@ -3272,8 +3272,8 @@
         </p:nvSpPr>
         <p:spPr>
           <a:xfrm>
-            <a:off x="17129732" y="15585930"/>
-            <a:ext cx="1884445" cy="723692"/>
+            <a:off x="16059036" y="15585930"/>
+            <a:ext cx="2955142" cy="723692"/>
           </a:xfrm>
           <a:prstGeom prst="rect">
             <a:avLst/>
@@ -3315,7 +3315,7 @@
         <p:spPr>
           <a:xfrm>
             <a:off x="20358998" y="15585930"/>
-            <a:ext cx="1884445" cy="723692"/>
+            <a:ext cx="3941228" cy="723692"/>
           </a:xfrm>
           <a:prstGeom prst="rect">
             <a:avLst/>
@@ -3360,8 +3360,8 @@
         </p:nvSpPr>
         <p:spPr>
           <a:xfrm>
-            <a:off x="18857566" y="17393488"/>
-            <a:ext cx="1884445" cy="723692"/>
+            <a:off x="16712618" y="17393488"/>
+            <a:ext cx="4029394" cy="723692"/>
           </a:xfrm>
           <a:prstGeom prst="rect">
             <a:avLst/>
@@ -3448,8 +3448,8 @@
         </p:nvSpPr>
         <p:spPr>
           <a:xfrm>
-            <a:off x="17227597" y="19098155"/>
-            <a:ext cx="1884445" cy="723692"/>
+            <a:off x="16059035" y="19098155"/>
+            <a:ext cx="3053007" cy="723692"/>
           </a:xfrm>
           <a:prstGeom prst="rect">
             <a:avLst/>
@@ -3491,7 +3491,7 @@
         <p:spPr>
           <a:xfrm>
             <a:off x="20587582" y="19098155"/>
-            <a:ext cx="1884445" cy="723692"/>
+            <a:ext cx="2665863" cy="723692"/>
           </a:xfrm>
           <a:prstGeom prst="rect">
             <a:avLst/>
@@ -3539,8 +3539,8 @@
         </p:nvCxnSpPr>
         <p:spPr>
           <a:xfrm flipH="1">
-            <a:off x="16637333" y="12838975"/>
-            <a:ext cx="1572257" cy="1061472"/>
+            <a:off x="15467998" y="12838975"/>
+            <a:ext cx="3212130" cy="1061472"/>
           </a:xfrm>
           <a:prstGeom prst="straightConnector1">
             <a:avLst/>
@@ -3580,8 +3580,8 @@
         </p:nvCxnSpPr>
         <p:spPr>
           <a:xfrm>
-            <a:off x="18209590" y="12838975"/>
-            <a:ext cx="1520436" cy="1061472"/>
+            <a:off x="18680128" y="12838975"/>
+            <a:ext cx="2340496" cy="1061472"/>
           </a:xfrm>
           <a:prstGeom prst="straightConnector1">
             <a:avLst/>
@@ -3621,8 +3621,8 @@
         </p:nvCxnSpPr>
         <p:spPr>
           <a:xfrm flipH="1">
-            <a:off x="18071955" y="14624139"/>
-            <a:ext cx="1658071" cy="961791"/>
+            <a:off x="17536607" y="14624139"/>
+            <a:ext cx="3484017" cy="961791"/>
           </a:xfrm>
           <a:prstGeom prst="straightConnector1">
             <a:avLst/>
@@ -3662,8 +3662,8 @@
         </p:nvCxnSpPr>
         <p:spPr>
           <a:xfrm>
-            <a:off x="19730026" y="14624139"/>
-            <a:ext cx="1571195" cy="961791"/>
+            <a:off x="21020624" y="14624139"/>
+            <a:ext cx="1308988" cy="961791"/>
           </a:xfrm>
           <a:prstGeom prst="straightConnector1">
             <a:avLst/>
@@ -3703,8 +3703,8 @@
         </p:nvCxnSpPr>
         <p:spPr>
           <a:xfrm flipH="1">
-            <a:off x="19799789" y="16309622"/>
-            <a:ext cx="1501432" cy="1083866"/>
+            <a:off x="18727315" y="16309622"/>
+            <a:ext cx="3602297" cy="1083866"/>
           </a:xfrm>
           <a:prstGeom prst="straightConnector1">
             <a:avLst/>
@@ -3744,8 +3744,8 @@
         </p:nvCxnSpPr>
         <p:spPr>
           <a:xfrm>
-            <a:off x="21301221" y="16309622"/>
-            <a:ext cx="1551027" cy="1097977"/>
+            <a:off x="22329612" y="16309622"/>
+            <a:ext cx="522636" cy="1097977"/>
           </a:xfrm>
           <a:prstGeom prst="straightConnector1">
             <a:avLst/>
@@ -3784,8 +3784,8 @@
         </p:nvCxnSpPr>
         <p:spPr>
           <a:xfrm flipH="1">
-            <a:off x="18209590" y="18117180"/>
-            <a:ext cx="1590199" cy="980975"/>
+            <a:off x="18209591" y="18117180"/>
+            <a:ext cx="517724" cy="980975"/>
           </a:xfrm>
           <a:prstGeom prst="straightConnector1">
             <a:avLst/>
@@ -3825,8 +3825,8 @@
         </p:nvCxnSpPr>
         <p:spPr>
           <a:xfrm>
-            <a:off x="19799789" y="18117180"/>
-            <a:ext cx="1730016" cy="980975"/>
+            <a:off x="18727315" y="18117180"/>
+            <a:ext cx="3193199" cy="980975"/>
           </a:xfrm>
           <a:prstGeom prst="straightConnector1">
             <a:avLst/>
@@ -4074,7 +4074,7 @@
         <p:spPr>
           <a:xfrm>
             <a:off x="9638417" y="5699572"/>
-            <a:ext cx="17180154" cy="646331"/>
+            <a:ext cx="16834356" cy="646331"/>
           </a:xfrm>
           <a:prstGeom prst="rect">
             <a:avLst/>
@@ -4089,7 +4089,39 @@
           <a:p>
             <a:r>
               <a:rPr lang="en-US" sz="3600" dirty="0" smtClean="0"/>
-              <a:t>a                                           b                                      c                                     d                                  e</a:t>
+              <a:t>a                             </a:t>
+            </a:r>
+            <a:r>
+              <a:rPr lang="en-US" sz="3600" dirty="0" smtClean="0"/>
+              <a:t> </a:t>
+            </a:r>
+            <a:r>
+              <a:rPr lang="en-US" sz="3600" dirty="0" smtClean="0"/>
+              <a:t>b                                   </a:t>
+            </a:r>
+            <a:r>
+              <a:rPr lang="en-US" sz="3600" dirty="0" smtClean="0"/>
+              <a:t> </a:t>
+            </a:r>
+            <a:r>
+              <a:rPr lang="en-US" sz="3600" dirty="0" smtClean="0"/>
+              <a:t>c                          </a:t>
+            </a:r>
+            <a:r>
+              <a:rPr lang="en-US" sz="3600" dirty="0" smtClean="0"/>
+              <a:t>   </a:t>
+            </a:r>
+            <a:r>
+              <a:rPr lang="en-US" sz="3600" dirty="0" smtClean="0"/>
+              <a:t>d       </a:t>
+            </a:r>
+            <a:r>
+              <a:rPr lang="en-US" sz="3600" dirty="0" smtClean="0"/>
+              <a:t>                  </a:t>
+            </a:r>
+            <a:r>
+              <a:rPr lang="en-US" sz="3600" dirty="0" smtClean="0"/>
+              <a:t>e</a:t>
             </a:r>
             <a:endParaRPr lang="en-US" sz="3600" dirty="0"/>
           </a:p>
@@ -4285,8 +4317,8 @@
         </p:nvSpPr>
         <p:spPr>
           <a:xfrm>
-            <a:off x="25965399" y="19098155"/>
-            <a:ext cx="10726539" cy="1077218"/>
+            <a:off x="25231595" y="19098155"/>
+            <a:ext cx="11460344" cy="1631216"/>
           </a:xfrm>
           <a:prstGeom prst="rect">
             <a:avLst/>
@@ -4294,7 +4326,7 @@
           <a:noFill/>
         </p:spPr>
         <p:txBody>
-          <a:bodyPr wrap="none" rtlCol="0">
+          <a:bodyPr wrap="square" rtlCol="0">
             <a:spAutoFit/>
           </a:bodyPr>
           <a:lstStyle/>
@@ -4302,7 +4334,19 @@
             <a:pPr algn="ctr"/>
             <a:r>
               <a:rPr lang="en-US" sz="3600" dirty="0" smtClean="0"/>
-              <a:t>Low pass filter removes noise; then count zero crossings</a:t>
+              <a:t>Biquadratic </a:t>
+            </a:r>
+            <a:r>
+              <a:rPr lang="en-US" sz="3600" dirty="0" smtClean="0"/>
+              <a:t>IIR filter </a:t>
+            </a:r>
+            <a:r>
+              <a:rPr lang="en-US" sz="3600" dirty="0" smtClean="0"/>
+              <a:t>removes </a:t>
+            </a:r>
+            <a:r>
+              <a:rPr lang="en-US" sz="3600" dirty="0" smtClean="0"/>
+              <a:t>noise; then count zero crossings</a:t>
             </a:r>
           </a:p>
           <a:p>
@@ -4412,7 +4456,7 @@
         <p:spPr>
           <a:xfrm>
             <a:off x="1348794" y="11409426"/>
-            <a:ext cx="8810646" cy="3416320"/>
+            <a:ext cx="8810646" cy="6740308"/>
           </a:xfrm>
           <a:prstGeom prst="rect">
             <a:avLst/>
@@ -4427,8 +4471,23 @@
           <a:p>
             <a:r>
               <a:rPr lang="en-US" sz="3600" dirty="0" smtClean="0"/>
-              <a:t>Collected data from 11 individuals.</a:t>
-            </a:r>
+              <a:t>Collected </a:t>
+            </a:r>
+            <a:r>
+              <a:rPr lang="en-US" sz="3600" dirty="0" smtClean="0"/>
+              <a:t>inertial sensing data </a:t>
+            </a:r>
+            <a:r>
+              <a:rPr lang="en-US" sz="3600" dirty="0" smtClean="0"/>
+              <a:t>from 11 individuals</a:t>
+            </a:r>
+            <a:r>
+              <a:rPr lang="en-US" sz="3600" dirty="0" smtClean="0"/>
+              <a:t>.</a:t>
+            </a:r>
+          </a:p>
+          <a:p>
+            <a:endParaRPr lang="en-US" sz="3600" dirty="0" smtClean="0"/>
           </a:p>
           <a:p>
             <a:r>
@@ -4443,6 +4502,16 @@
               <a:rPr lang="en-US" sz="3600" dirty="0" smtClean="0"/>
               <a:t> extensions (e) </a:t>
             </a:r>
+            <a:endParaRPr lang="en-US" sz="3600" dirty="0" smtClean="0"/>
+          </a:p>
+          <a:p>
+            <a:endParaRPr lang="en-US" sz="3600" dirty="0"/>
+          </a:p>
+          <a:p>
+            <a:endParaRPr lang="en-US" sz="3600" dirty="0" smtClean="0"/>
+          </a:p>
+          <a:p>
+            <a:endParaRPr lang="en-US" sz="3600" dirty="0" smtClean="0"/>
           </a:p>
           <a:p>
             <a:endParaRPr lang="en-US" sz="3600" dirty="0"/>
@@ -4470,7 +4539,7 @@
         </p:blipFill>
         <p:spPr>
           <a:xfrm>
-            <a:off x="2903732" y="17714429"/>
+            <a:off x="1451702" y="16717902"/>
             <a:ext cx="7255708" cy="4009826"/>
           </a:xfrm>
           <a:prstGeom prst="rect">

--- a/Poster.pptx
+++ b/Poster.pptx
@@ -3490,8 +3490,8 @@
         </p:nvSpPr>
         <p:spPr>
           <a:xfrm>
-            <a:off x="20587582" y="19098155"/>
-            <a:ext cx="2665863" cy="723692"/>
+            <a:off x="19869174" y="19098155"/>
+            <a:ext cx="4431052" cy="723692"/>
           </a:xfrm>
           <a:prstGeom prst="rect">
             <a:avLst/>
@@ -3826,7 +3826,7 @@
         <p:spPr>
           <a:xfrm>
             <a:off x="18727315" y="18117180"/>
-            <a:ext cx="3193199" cy="980975"/>
+            <a:ext cx="3357385" cy="980975"/>
           </a:xfrm>
           <a:prstGeom prst="straightConnector1">
             <a:avLst/>
